--- a/19.ES6（一）/19.ES6（一）.pptx
+++ b/19.ES6（一）/19.ES6（一）.pptx
@@ -2083,6 +2083,50 @@
 </file>
 
 <file path=ppt/notesSlides/notesSlide32.xml><?xml version="1.0" encoding="utf-8"?>
+<p:notes xmlns:a="http://schemas.openxmlformats.org/drawingml/2006/main" xmlns:r="http://schemas.openxmlformats.org/officeDocument/2006/relationships" xmlns:p="http://schemas.openxmlformats.org/presentationml/2006/main">
+  <p:cSld>
+    <p:spTree>
+      <p:nvGrpSpPr>
+        <p:cNvPr id="1" name=""/>
+        <p:cNvGrpSpPr/>
+        <p:nvPr/>
+      </p:nvGrpSpPr>
+      <p:grpSpPr/>
+      <p:sp>
+        <p:nvSpPr>
+          <p:cNvPr id="2" name="幻灯片图像占位符 1"/>
+          <p:cNvSpPr/>
+          <p:nvPr>
+            <p:ph type="sldImg" idx="2"/>
+          </p:nvPr>
+        </p:nvSpPr>
+        <p:spPr/>
+      </p:sp>
+      <p:sp>
+        <p:nvSpPr>
+          <p:cNvPr id="3" name="文本占位符 2"/>
+          <p:cNvSpPr/>
+          <p:nvPr>
+            <p:ph type="body" idx="3"/>
+          </p:nvPr>
+        </p:nvSpPr>
+        <p:spPr/>
+        <p:txBody>
+          <a:bodyPr/>
+          <a:p>
+            <a:endParaRPr lang="zh-CN" altLang="en-US"/>
+          </a:p>
+        </p:txBody>
+      </p:sp>
+    </p:spTree>
+  </p:cSld>
+  <p:clrMapOvr>
+    <a:masterClrMapping/>
+  </p:clrMapOvr>
+</p:notes>
+</file>
+
+<file path=ppt/notesSlides/notesSlide33.xml><?xml version="1.0" encoding="utf-8"?>
 <p:notes xmlns:a="http://schemas.openxmlformats.org/drawingml/2006/main" xmlns:r="http://schemas.openxmlformats.org/officeDocument/2006/relationships" xmlns:p="http://schemas.openxmlformats.org/presentationml/2006/main">
   <p:cSld>
     <p:spTree>
@@ -37198,7 +37242,7 @@
               <a:rPr lang="en-US" altLang="zh-CN">
                 <a:sym typeface="+mn-ea"/>
               </a:rPr>
-              <a:t> add(value)：</a:t>
+              <a:t> set(key,value)：</a:t>
             </a:r>
             <a:r>
               <a:rPr lang="en-US" altLang="zh-CN">
@@ -37229,6 +37273,120 @@
                 <a:sym typeface="+mn-ea"/>
               </a:rPr>
               <a:t>结构本身。</a:t>
+            </a:r>
+            <a:endParaRPr lang="en-US" altLang="zh-CN">
+              <a:solidFill>
+                <a:schemeClr val="tx1"/>
+              </a:solidFill>
+              <a:cs typeface="+mn-ea"/>
+              <a:sym typeface="+mn-ea"/>
+            </a:endParaRPr>
+          </a:p>
+          <a:p>
+            <a:pPr lvl="1" algn="l">
+              <a:buSzTx/>
+            </a:pPr>
+            <a:r>
+              <a:rPr lang="en-US" altLang="zh-CN">
+                <a:cs typeface="+mn-ea"/>
+              </a:rPr>
+              <a:t> get(key)：</a:t>
+            </a:r>
+            <a:r>
+              <a:rPr lang="zh-CN" altLang="en-US">
+                <a:solidFill>
+                  <a:schemeClr val="tx1"/>
+                </a:solidFill>
+                <a:cs typeface="+mn-ea"/>
+              </a:rPr>
+              <a:t>读取key对应的键值，如果找不到key，返回undefined。</a:t>
+            </a:r>
+            <a:endParaRPr lang="zh-CN" altLang="en-US">
+              <a:solidFill>
+                <a:schemeClr val="tx1"/>
+              </a:solidFill>
+              <a:cs typeface="+mn-ea"/>
+            </a:endParaRPr>
+          </a:p>
+          <a:p>
+            <a:pPr lvl="1"/>
+            <a:r>
+              <a:rPr lang="en-US" altLang="zh-CN">
+                <a:sym typeface="+mn-ea"/>
+              </a:rPr>
+              <a:t> delete(value)：</a:t>
+            </a:r>
+            <a:r>
+              <a:rPr lang="en-US" altLang="zh-CN">
+                <a:solidFill>
+                  <a:schemeClr val="tx1"/>
+                </a:solidFill>
+                <a:cs typeface="+mn-ea"/>
+                <a:sym typeface="+mn-ea"/>
+              </a:rPr>
+              <a:t>删除某个值，返回一个布尔值，表示删除是否成功。</a:t>
+            </a:r>
+            <a:endParaRPr lang="en-US" altLang="zh-CN"/>
+          </a:p>
+          <a:p>
+            <a:pPr lvl="1"/>
+            <a:r>
+              <a:rPr lang="en-US" altLang="zh-CN">
+                <a:sym typeface="+mn-ea"/>
+              </a:rPr>
+              <a:t> has(value)：</a:t>
+            </a:r>
+            <a:r>
+              <a:rPr lang="en-US" altLang="zh-CN">
+                <a:solidFill>
+                  <a:schemeClr val="tx1"/>
+                </a:solidFill>
+                <a:cs typeface="+mn-ea"/>
+                <a:sym typeface="+mn-ea"/>
+              </a:rPr>
+              <a:t>返回一个布尔值，表示该值是否为 </a:t>
+            </a:r>
+            <a:r>
+              <a:rPr lang="en-US" altLang="zh-CN">
+                <a:solidFill>
+                  <a:schemeClr val="tx1"/>
+                </a:solidFill>
+                <a:cs typeface="+mn-ea"/>
+                <a:sym typeface="+mn-ea"/>
+              </a:rPr>
+              <a:t>Map </a:t>
+            </a:r>
+            <a:r>
+              <a:rPr lang="en-US" altLang="zh-CN">
+                <a:solidFill>
+                  <a:schemeClr val="tx1"/>
+                </a:solidFill>
+                <a:cs typeface="+mn-ea"/>
+                <a:sym typeface="+mn-ea"/>
+              </a:rPr>
+              <a:t>的成员。</a:t>
+            </a:r>
+            <a:endParaRPr lang="en-US" altLang="zh-CN"/>
+          </a:p>
+          <a:p>
+            <a:pPr lvl="1" algn="l">
+              <a:buSzTx/>
+            </a:pPr>
+            <a:r>
+              <a:rPr lang="en-US" altLang="zh-CN">
+                <a:sym typeface="+mn-ea"/>
+              </a:rPr>
+              <a:t> clear()：</a:t>
+            </a:r>
+            <a:r>
+              <a:rPr lang="en-US" altLang="zh-CN">
+                <a:solidFill>
+                  <a:schemeClr val="tx1"/>
+                </a:solidFill>
+                <a:cs typeface="+mn-ea"/>
+                <a:sym typeface="+mn-ea"/>
+              </a:rPr>
+              <a:t>清除所有成员，没有返回值。</a:t>
             </a:r>
             <a:endParaRPr lang="en-US" altLang="zh-CN">
               <a:solidFill>
@@ -37238,287 +37396,13 @@
             </a:endParaRPr>
           </a:p>
           <a:p>
-            <a:pPr lvl="1"/>
-            <a:r>
-              <a:rPr lang="en-US" altLang="zh-CN">
-                <a:sym typeface="+mn-ea"/>
-              </a:rPr>
-              <a:t> delete(value)：</a:t>
-            </a:r>
-            <a:r>
-              <a:rPr lang="en-US" altLang="zh-CN">
-                <a:solidFill>
-                  <a:schemeClr val="tx1"/>
-                </a:solidFill>
-                <a:cs typeface="+mn-ea"/>
-                <a:sym typeface="+mn-ea"/>
-              </a:rPr>
-              <a:t>删除某个值，返回一个布尔值，表示删除是否成功。</a:t>
-            </a:r>
-            <a:endParaRPr lang="en-US" altLang="zh-CN"/>
-          </a:p>
-          <a:p>
-            <a:pPr lvl="1"/>
-            <a:r>
-              <a:rPr lang="en-US" altLang="zh-CN">
-                <a:sym typeface="+mn-ea"/>
-              </a:rPr>
-              <a:t> has(value)：</a:t>
-            </a:r>
-            <a:r>
-              <a:rPr lang="en-US" altLang="zh-CN">
-                <a:solidFill>
-                  <a:schemeClr val="tx1"/>
-                </a:solidFill>
-                <a:cs typeface="+mn-ea"/>
-                <a:sym typeface="+mn-ea"/>
-              </a:rPr>
-              <a:t>返回一个布尔值，表示该值是否为 </a:t>
-            </a:r>
-            <a:r>
-              <a:rPr lang="en-US" altLang="zh-CN">
-                <a:solidFill>
-                  <a:schemeClr val="tx1"/>
-                </a:solidFill>
-                <a:cs typeface="+mn-ea"/>
-                <a:sym typeface="+mn-ea"/>
-              </a:rPr>
-              <a:t>Map </a:t>
-            </a:r>
-            <a:r>
-              <a:rPr lang="en-US" altLang="zh-CN">
-                <a:solidFill>
-                  <a:schemeClr val="tx1"/>
-                </a:solidFill>
-                <a:cs typeface="+mn-ea"/>
-                <a:sym typeface="+mn-ea"/>
-              </a:rPr>
-              <a:t>的成员。</a:t>
-            </a:r>
-            <a:endParaRPr lang="en-US" altLang="zh-CN"/>
-          </a:p>
-          <a:p>
-            <a:pPr lvl="1" algn="l">
+            <a:pPr marL="168275" lvl="1" indent="0" algn="l">
+              <a:spcAft>
+                <a:spcPts val="300"/>
+              </a:spcAft>
               <a:buSzTx/>
+              <a:buNone/>
             </a:pPr>
-            <a:r>
-              <a:rPr lang="en-US" altLang="zh-CN">
-                <a:sym typeface="+mn-ea"/>
-              </a:rPr>
-              <a:t> clear()：</a:t>
-            </a:r>
-            <a:r>
-              <a:rPr lang="en-US" altLang="zh-CN">
-                <a:solidFill>
-                  <a:schemeClr val="tx1"/>
-                </a:solidFill>
-                <a:cs typeface="+mn-ea"/>
-                <a:sym typeface="+mn-ea"/>
-              </a:rPr>
-              <a:t>清除所有成员，没有返回值。</a:t>
-            </a:r>
-            <a:endParaRPr lang="en-US" altLang="zh-CN">
-              <a:solidFill>
-                <a:schemeClr val="tx1"/>
-              </a:solidFill>
-              <a:cs typeface="+mn-ea"/>
-            </a:endParaRPr>
-          </a:p>
-          <a:p>
-            <a:pPr lvl="1" algn="l">
-              <a:buSzTx/>
-            </a:pPr>
-            <a:r>
-              <a:rPr lang="en-US" altLang="zh-CN">
-                <a:cs typeface="+mn-ea"/>
-                <a:sym typeface="+mn-ea"/>
-              </a:rPr>
-              <a:t> keys()：</a:t>
-            </a:r>
-            <a:r>
-              <a:rPr lang="en-US" altLang="zh-CN">
-                <a:solidFill>
-                  <a:schemeClr val="tx1"/>
-                </a:solidFill>
-                <a:cs typeface="+mn-ea"/>
-                <a:sym typeface="+mn-ea"/>
-              </a:rPr>
-              <a:t>返回</a:t>
-            </a:r>
-            <a:r>
-              <a:rPr lang="en-US" altLang="zh-CN" b="1">
-                <a:solidFill>
-                  <a:schemeClr val="tx1"/>
-                </a:solidFill>
-                <a:cs typeface="+mn-ea"/>
-                <a:sym typeface="+mn-ea"/>
-              </a:rPr>
-              <a:t>键名</a:t>
-            </a:r>
-            <a:r>
-              <a:rPr lang="en-US" altLang="zh-CN">
-                <a:solidFill>
-                  <a:schemeClr val="tx1"/>
-                </a:solidFill>
-                <a:cs typeface="+mn-ea"/>
-                <a:sym typeface="+mn-ea"/>
-              </a:rPr>
-              <a:t>的遍历器</a:t>
-            </a:r>
-            <a:endParaRPr lang="en-US" altLang="zh-CN">
-              <a:solidFill>
-                <a:schemeClr val="tx1"/>
-              </a:solidFill>
-              <a:cs typeface="+mn-ea"/>
-            </a:endParaRPr>
-          </a:p>
-          <a:p>
-            <a:pPr lvl="1" algn="l">
-              <a:buSzTx/>
-            </a:pPr>
-            <a:r>
-              <a:rPr lang="en-US" altLang="zh-CN">
-                <a:solidFill>
-                  <a:schemeClr val="tx1"/>
-                </a:solidFill>
-                <a:cs typeface="+mn-ea"/>
-                <a:sym typeface="+mn-ea"/>
-              </a:rPr>
-              <a:t> </a:t>
-            </a:r>
-            <a:r>
-              <a:rPr lang="en-US" altLang="zh-CN">
-                <a:cs typeface="+mn-ea"/>
-                <a:sym typeface="+mn-ea"/>
-              </a:rPr>
-              <a:t>values()：</a:t>
-            </a:r>
-            <a:r>
-              <a:rPr lang="en-US" altLang="zh-CN">
-                <a:solidFill>
-                  <a:schemeClr val="tx1"/>
-                </a:solidFill>
-                <a:cs typeface="+mn-ea"/>
-                <a:sym typeface="+mn-ea"/>
-              </a:rPr>
-              <a:t>返回</a:t>
-            </a:r>
-            <a:r>
-              <a:rPr lang="en-US" altLang="zh-CN" b="1">
-                <a:solidFill>
-                  <a:schemeClr val="tx1"/>
-                </a:solidFill>
-                <a:cs typeface="+mn-ea"/>
-                <a:sym typeface="+mn-ea"/>
-              </a:rPr>
-              <a:t>键值</a:t>
-            </a:r>
-            <a:r>
-              <a:rPr lang="en-US" altLang="zh-CN">
-                <a:solidFill>
-                  <a:schemeClr val="tx1"/>
-                </a:solidFill>
-                <a:cs typeface="+mn-ea"/>
-                <a:sym typeface="+mn-ea"/>
-              </a:rPr>
-              <a:t>的遍历器</a:t>
-            </a:r>
-            <a:endParaRPr lang="en-US" altLang="zh-CN">
-              <a:solidFill>
-                <a:schemeClr val="tx1"/>
-              </a:solidFill>
-              <a:cs typeface="+mn-ea"/>
-            </a:endParaRPr>
-          </a:p>
-          <a:p>
-            <a:pPr lvl="1" algn="l">
-              <a:buSzTx/>
-            </a:pPr>
-            <a:r>
-              <a:rPr lang="en-US" altLang="zh-CN">
-                <a:solidFill>
-                  <a:schemeClr val="tx1"/>
-                </a:solidFill>
-                <a:cs typeface="+mn-ea"/>
-                <a:sym typeface="+mn-ea"/>
-              </a:rPr>
-              <a:t> </a:t>
-            </a:r>
-            <a:r>
-              <a:rPr lang="en-US" altLang="zh-CN">
-                <a:cs typeface="+mn-ea"/>
-                <a:sym typeface="+mn-ea"/>
-              </a:rPr>
-              <a:t>entries()：</a:t>
-            </a:r>
-            <a:r>
-              <a:rPr lang="en-US" altLang="zh-CN">
-                <a:solidFill>
-                  <a:schemeClr val="tx1"/>
-                </a:solidFill>
-                <a:cs typeface="+mn-ea"/>
-                <a:sym typeface="+mn-ea"/>
-              </a:rPr>
-              <a:t>返回</a:t>
-            </a:r>
-            <a:r>
-              <a:rPr lang="en-US" altLang="zh-CN" b="1">
-                <a:solidFill>
-                  <a:schemeClr val="tx1"/>
-                </a:solidFill>
-                <a:cs typeface="+mn-ea"/>
-                <a:sym typeface="+mn-ea"/>
-              </a:rPr>
-              <a:t>键值对</a:t>
-            </a:r>
-            <a:r>
-              <a:rPr lang="en-US" altLang="zh-CN">
-                <a:solidFill>
-                  <a:schemeClr val="tx1"/>
-                </a:solidFill>
-                <a:cs typeface="+mn-ea"/>
-                <a:sym typeface="+mn-ea"/>
-              </a:rPr>
-              <a:t>的遍历器</a:t>
-            </a:r>
-            <a:endParaRPr lang="en-US" altLang="zh-CN">
-              <a:solidFill>
-                <a:schemeClr val="tx1"/>
-              </a:solidFill>
-              <a:cs typeface="+mn-ea"/>
-            </a:endParaRPr>
-          </a:p>
-          <a:p>
-            <a:pPr lvl="1" algn="l">
-              <a:buSzTx/>
-            </a:pPr>
-            <a:r>
-              <a:rPr lang="en-US" altLang="zh-CN">
-                <a:solidFill>
-                  <a:schemeClr val="tx1"/>
-                </a:solidFill>
-                <a:cs typeface="+mn-ea"/>
-                <a:sym typeface="+mn-ea"/>
-              </a:rPr>
-              <a:t> </a:t>
-            </a:r>
-            <a:r>
-              <a:rPr lang="en-US" altLang="zh-CN">
-                <a:cs typeface="+mn-ea"/>
-                <a:sym typeface="+mn-ea"/>
-              </a:rPr>
-              <a:t>forEach()：</a:t>
-            </a:r>
-            <a:r>
-              <a:rPr lang="en-US" altLang="zh-CN">
-                <a:solidFill>
-                  <a:schemeClr val="tx1"/>
-                </a:solidFill>
-                <a:cs typeface="+mn-ea"/>
-                <a:sym typeface="+mn-ea"/>
-              </a:rPr>
-              <a:t>使用回调函数遍历每个成员</a:t>
-            </a:r>
             <a:endParaRPr lang="en-US" altLang="zh-CN"/>
           </a:p>
         </p:txBody>
